--- a/Паспорт Проекта.pptx
+++ b/Паспорт Проекта.pptx
@@ -283,7 +283,7 @@
           <a:p>
             <a:fld id="{6FAC7B0E-61B9-4D75-9361-120239EE35BA}" type="datetimeFigureOut">
               <a:rPr lang="en-US" smtClean="0"/>
-              <a:t>4/23/2023</a:t>
+              <a:t>4/24/2023</a:t>
             </a:fld>
             <a:endParaRPr lang="en-US"/>
           </a:p>
@@ -511,7 +511,7 @@
           <a:p>
             <a:fld id="{6FAC7B0E-61B9-4D75-9361-120239EE35BA}" type="datetimeFigureOut">
               <a:rPr lang="en-US" smtClean="0"/>
-              <a:t>4/23/2023</a:t>
+              <a:t>4/24/2023</a:t>
             </a:fld>
             <a:endParaRPr lang="en-US"/>
           </a:p>
@@ -691,7 +691,7 @@
           <a:p>
             <a:fld id="{6FAC7B0E-61B9-4D75-9361-120239EE35BA}" type="datetimeFigureOut">
               <a:rPr lang="en-US" smtClean="0"/>
-              <a:t>4/23/2023</a:t>
+              <a:t>4/24/2023</a:t>
             </a:fld>
             <a:endParaRPr lang="en-US"/>
           </a:p>
@@ -861,7 +861,7 @@
           <a:p>
             <a:fld id="{6FAC7B0E-61B9-4D75-9361-120239EE35BA}" type="datetimeFigureOut">
               <a:rPr lang="en-US" smtClean="0"/>
-              <a:t>4/23/2023</a:t>
+              <a:t>4/24/2023</a:t>
             </a:fld>
             <a:endParaRPr lang="en-US"/>
           </a:p>
@@ -1115,7 +1115,7 @@
           <a:p>
             <a:fld id="{6FAC7B0E-61B9-4D75-9361-120239EE35BA}" type="datetimeFigureOut">
               <a:rPr lang="en-US" smtClean="0"/>
-              <a:t>4/23/2023</a:t>
+              <a:t>4/24/2023</a:t>
             </a:fld>
             <a:endParaRPr lang="en-US"/>
           </a:p>
@@ -1441,7 +1441,7 @@
           <a:p>
             <a:fld id="{6FAC7B0E-61B9-4D75-9361-120239EE35BA}" type="datetimeFigureOut">
               <a:rPr lang="en-US" smtClean="0"/>
-              <a:t>4/23/2023</a:t>
+              <a:t>4/24/2023</a:t>
             </a:fld>
             <a:endParaRPr lang="en-US"/>
           </a:p>
@@ -1892,7 +1892,7 @@
           <a:p>
             <a:fld id="{6FAC7B0E-61B9-4D75-9361-120239EE35BA}" type="datetimeFigureOut">
               <a:rPr lang="en-US" smtClean="0"/>
-              <a:t>4/23/2023</a:t>
+              <a:t>4/24/2023</a:t>
             </a:fld>
             <a:endParaRPr lang="en-US"/>
           </a:p>
@@ -2010,7 +2010,7 @@
           <a:p>
             <a:fld id="{6FAC7B0E-61B9-4D75-9361-120239EE35BA}" type="datetimeFigureOut">
               <a:rPr lang="en-US" smtClean="0"/>
-              <a:t>4/23/2023</a:t>
+              <a:t>4/24/2023</a:t>
             </a:fld>
             <a:endParaRPr lang="en-US"/>
           </a:p>
@@ -2105,7 +2105,7 @@
           <a:p>
             <a:fld id="{6FAC7B0E-61B9-4D75-9361-120239EE35BA}" type="datetimeFigureOut">
               <a:rPr lang="en-US" smtClean="0"/>
-              <a:t>4/23/2023</a:t>
+              <a:t>4/24/2023</a:t>
             </a:fld>
             <a:endParaRPr lang="en-US"/>
           </a:p>
@@ -2392,7 +2392,7 @@
           <a:p>
             <a:fld id="{6FAC7B0E-61B9-4D75-9361-120239EE35BA}" type="datetimeFigureOut">
               <a:rPr lang="en-US" smtClean="0"/>
-              <a:t>4/23/2023</a:t>
+              <a:t>4/24/2023</a:t>
             </a:fld>
             <a:endParaRPr lang="en-US"/>
           </a:p>
@@ -2714,7 +2714,7 @@
           <a:p>
             <a:fld id="{6FAC7B0E-61B9-4D75-9361-120239EE35BA}" type="datetimeFigureOut">
               <a:rPr lang="en-US" smtClean="0"/>
-              <a:t>4/23/2023</a:t>
+              <a:t>4/24/2023</a:t>
             </a:fld>
             <a:endParaRPr lang="en-US"/>
           </a:p>
@@ -2968,7 +2968,7 @@
           <a:p>
             <a:fld id="{6FAC7B0E-61B9-4D75-9361-120239EE35BA}" type="datetimeFigureOut">
               <a:rPr lang="en-US" smtClean="0"/>
-              <a:t>4/23/2023</a:t>
+              <a:t>4/24/2023</a:t>
             </a:fld>
             <a:endParaRPr lang="en-US"/>
           </a:p>
@@ -4952,7 +4952,7 @@
           <p:nvPr>
             <p:extLst>
               <p:ext uri="{D42A27DB-BD31-4B8C-83A1-F6EECF244321}">
-                <p14:modId xmlns:p14="http://schemas.microsoft.com/office/powerpoint/2010/main" val="3402830396"/>
+                <p14:modId xmlns:p14="http://schemas.microsoft.com/office/powerpoint/2010/main" val="2941794249"/>
               </p:ext>
             </p:extLst>
           </p:nvPr>
@@ -5237,7 +5237,31 @@
                           <a:ea typeface="+mn-ea"/>
                           <a:cs typeface="+mn-cs"/>
                         </a:rPr>
-                        <a:t>Результат будет считаться удовлетворительным если количество студентов обучающихся на оценки «Отлично» и «Хорошо» увеличиться на 35%</a:t>
+                        <a:t>Результат будет считаться удовлетворительным если количество студентов обучающихся на оценки «Отлично» и «Хорошо» увеличиться на </a:t>
+                      </a:r>
+                      <a:r>
+                        <a:rPr lang="en-US" sz="1800" kern="1200" dirty="0">
+                          <a:solidFill>
+                            <a:schemeClr val="dk1"/>
+                          </a:solidFill>
+                          <a:effectLst/>
+                          <a:latin typeface="+mn-lt"/>
+                          <a:ea typeface="+mn-ea"/>
+                          <a:cs typeface="+mn-cs"/>
+                        </a:rPr>
+                        <a:t>10</a:t>
+                      </a:r>
+                      <a:r>
+                        <a:rPr lang="ru-RU" sz="1800" kern="1200">
+                          <a:solidFill>
+                            <a:schemeClr val="dk1"/>
+                          </a:solidFill>
+                          <a:effectLst/>
+                          <a:latin typeface="+mn-lt"/>
+                          <a:ea typeface="+mn-ea"/>
+                          <a:cs typeface="+mn-cs"/>
+                        </a:rPr>
+                        <a:t>%</a:t>
                       </a:r>
                       <a:endParaRPr lang="en-US" sz="1800" kern="1200" dirty="0">
                         <a:solidFill>
@@ -5493,14 +5517,14 @@
           <p:nvPr>
             <p:extLst>
               <p:ext uri="{D42A27DB-BD31-4B8C-83A1-F6EECF244321}">
-                <p14:modId xmlns:p14="http://schemas.microsoft.com/office/powerpoint/2010/main" val="2604512528"/>
+                <p14:modId xmlns:p14="http://schemas.microsoft.com/office/powerpoint/2010/main" val="2311819648"/>
               </p:ext>
             </p:extLst>
           </p:nvPr>
         </p:nvGraphicFramePr>
         <p:xfrm>
           <a:off x="1317625" y="843491"/>
-          <a:ext cx="9064625" cy="4994213"/>
+          <a:ext cx="9064625" cy="4930565"/>
         </p:xfrm>
         <a:graphic>
           <a:graphicData uri="http://schemas.openxmlformats.org/drawingml/2006/table">
@@ -5821,17 +5845,17 @@
                         </a:spcAft>
                       </a:pPr>
                       <a:r>
-                        <a:rPr lang="ru-RU" sz="1600" dirty="0">
+                        <a:rPr lang="ru-RU" sz="1200" dirty="0">
                           <a:effectLst/>
-                          <a:latin typeface="+mn-lt"/>
+                          <a:latin typeface="Times New Roman" panose="02020603050405020304" pitchFamily="18" charset="0"/>
                           <a:ea typeface="Calibri" panose="020F0502020204030204" pitchFamily="34" charset="0"/>
                           <a:cs typeface="Times New Roman" panose="02020603050405020304" pitchFamily="18" charset="0"/>
                         </a:rPr>
-                        <a:t> Бунин И.:</a:t>
+                        <a:t>Бунин И: Коллективист, работник, оформитель;</a:t>
                       </a:r>
-                      <a:endParaRPr lang="en-US" sz="1600" dirty="0">
+                      <a:endParaRPr lang="en-US" sz="1100" dirty="0">
                         <a:effectLst/>
-                        <a:latin typeface="+mn-lt"/>
+                        <a:latin typeface="Calibri" panose="020F0502020204030204" pitchFamily="34" charset="0"/>
                         <a:ea typeface="Calibri" panose="020F0502020204030204" pitchFamily="34" charset="0"/>
                         <a:cs typeface="Times New Roman" panose="02020603050405020304" pitchFamily="18" charset="0"/>
                       </a:endParaRPr>
@@ -5846,17 +5870,35 @@
                         </a:spcAft>
                       </a:pPr>
                       <a:r>
-                        <a:rPr lang="ru-RU" sz="1600" dirty="0">
+                        <a:rPr lang="ru-RU" sz="1200" dirty="0">
                           <a:effectLst/>
-                          <a:latin typeface="+mn-lt"/>
+                          <a:latin typeface="Times New Roman" panose="02020603050405020304" pitchFamily="18" charset="0"/>
                           <a:ea typeface="Calibri" panose="020F0502020204030204" pitchFamily="34" charset="0"/>
                           <a:cs typeface="Times New Roman" panose="02020603050405020304" pitchFamily="18" charset="0"/>
                         </a:rPr>
-                        <a:t>Вербицкий А.:</a:t>
+                        <a:t>Вербицкий А: Генератор идей, работник, </a:t>
                       </a:r>
-                      <a:endParaRPr lang="en-US" sz="1600" dirty="0">
+                      <a:r>
+                        <a:rPr lang="en-US" sz="1200" dirty="0">
+                          <a:effectLst/>
+                          <a:latin typeface="Times New Roman" panose="02020603050405020304" pitchFamily="18" charset="0"/>
+                          <a:ea typeface="Calibri" panose="020F0502020204030204" pitchFamily="34" charset="0"/>
+                          <a:cs typeface="Times New Roman" panose="02020603050405020304" pitchFamily="18" charset="0"/>
+                        </a:rPr>
+                        <a:t>Compiler</a:t>
+                      </a:r>
+                      <a:r>
+                        <a:rPr lang="ru-RU" sz="1200" dirty="0">
+                          <a:effectLst/>
+                          <a:latin typeface="Times New Roman" panose="02020603050405020304" pitchFamily="18" charset="0"/>
+                          <a:ea typeface="Calibri" panose="020F0502020204030204" pitchFamily="34" charset="0"/>
+                          <a:cs typeface="Times New Roman" panose="02020603050405020304" pitchFamily="18" charset="0"/>
+                        </a:rPr>
+                        <a:t>;</a:t>
+                      </a:r>
+                      <a:endParaRPr lang="en-US" sz="1100" dirty="0">
                         <a:effectLst/>
-                        <a:latin typeface="+mn-lt"/>
+                        <a:latin typeface="Calibri" panose="020F0502020204030204" pitchFamily="34" charset="0"/>
                         <a:ea typeface="Calibri" panose="020F0502020204030204" pitchFamily="34" charset="0"/>
                         <a:cs typeface="Times New Roman" panose="02020603050405020304" pitchFamily="18" charset="0"/>
                       </a:endParaRPr>
@@ -5871,14 +5913,47 @@
                         </a:spcAft>
                       </a:pPr>
                       <a:r>
-                        <a:rPr lang="ru-RU" sz="1600" dirty="0">
+                        <a:rPr lang="ru-RU" sz="1200" dirty="0">
                           <a:effectLst/>
-                          <a:latin typeface="+mn-lt"/>
+                          <a:latin typeface="Times New Roman" panose="02020603050405020304" pitchFamily="18" charset="0"/>
                           <a:ea typeface="Calibri" panose="020F0502020204030204" pitchFamily="34" charset="0"/>
                           <a:cs typeface="Times New Roman" panose="02020603050405020304" pitchFamily="18" charset="0"/>
                         </a:rPr>
-                        <a:t>Гаврилов С.:</a:t>
+                        <a:t>Гаврилов С: Наблюдатель</a:t>
                       </a:r>
+                      <a:r>
+                        <a:rPr lang="en-US" sz="1200" dirty="0">
+                          <a:effectLst/>
+                          <a:latin typeface="Times New Roman" panose="02020603050405020304" pitchFamily="18" charset="0"/>
+                          <a:ea typeface="Calibri" panose="020F0502020204030204" pitchFamily="34" charset="0"/>
+                          <a:cs typeface="Times New Roman" panose="02020603050405020304" pitchFamily="18" charset="0"/>
+                        </a:rPr>
+                        <a:t>,</a:t>
+                      </a:r>
+                      <a:r>
+                        <a:rPr lang="ru-RU" sz="1200" dirty="0">
+                          <a:effectLst/>
+                          <a:latin typeface="Times New Roman" panose="02020603050405020304" pitchFamily="18" charset="0"/>
+                          <a:ea typeface="Calibri" panose="020F0502020204030204" pitchFamily="34" charset="0"/>
+                          <a:cs typeface="Times New Roman" panose="02020603050405020304" pitchFamily="18" charset="0"/>
+                        </a:rPr>
+                        <a:t> работник</a:t>
+                      </a:r>
+                      <a:r>
+                        <a:rPr lang="en-US" sz="1200" dirty="0">
+                          <a:effectLst/>
+                          <a:latin typeface="Times New Roman" panose="02020603050405020304" pitchFamily="18" charset="0"/>
+                          <a:ea typeface="Calibri" panose="020F0502020204030204" pitchFamily="34" charset="0"/>
+                          <a:cs typeface="Times New Roman" panose="02020603050405020304" pitchFamily="18" charset="0"/>
+                        </a:rPr>
+                        <a:t>; </a:t>
+                      </a:r>
+                      <a:endParaRPr lang="ru-RU" sz="1200" dirty="0">
+                        <a:effectLst/>
+                        <a:latin typeface="Times New Roman" panose="02020603050405020304" pitchFamily="18" charset="0"/>
+                        <a:ea typeface="Calibri" panose="020F0502020204030204" pitchFamily="34" charset="0"/>
+                        <a:cs typeface="Times New Roman" panose="02020603050405020304" pitchFamily="18" charset="0"/>
+                      </a:endParaRPr>
                     </a:p>
                     <a:p>
                       <a:pPr algn="just">
@@ -5890,17 +5965,35 @@
                         </a:spcAft>
                       </a:pPr>
                       <a:r>
-                        <a:rPr lang="ru-RU" sz="1600" dirty="0">
+                        <a:rPr lang="ru-RU" sz="1200" dirty="0" err="1">
                           <a:effectLst/>
-                          <a:latin typeface="+mn-lt"/>
+                          <a:latin typeface="Times New Roman" panose="02020603050405020304" pitchFamily="18" charset="0"/>
                           <a:ea typeface="Calibri" panose="020F0502020204030204" pitchFamily="34" charset="0"/>
                           <a:cs typeface="Times New Roman" panose="02020603050405020304" pitchFamily="18" charset="0"/>
                         </a:rPr>
-                        <a:t>Мацебурский Д.</a:t>
+                        <a:t>Мацебурский</a:t>
                       </a:r>
-                      <a:endParaRPr lang="en-US" sz="1600" dirty="0">
+                      <a:r>
+                        <a:rPr lang="ru-RU" sz="1200" dirty="0">
+                          <a:effectLst/>
+                          <a:latin typeface="Times New Roman" panose="02020603050405020304" pitchFamily="18" charset="0"/>
+                          <a:ea typeface="Calibri" panose="020F0502020204030204" pitchFamily="34" charset="0"/>
+                          <a:cs typeface="Times New Roman" panose="02020603050405020304" pitchFamily="18" charset="0"/>
+                        </a:rPr>
+                        <a:t> Д</a:t>
+                      </a:r>
+                      <a:r>
+                        <a:rPr lang="ru-RU" sz="1200">
+                          <a:effectLst/>
+                          <a:latin typeface="Times New Roman" panose="02020603050405020304" pitchFamily="18" charset="0"/>
+                          <a:ea typeface="Calibri" panose="020F0502020204030204" pitchFamily="34" charset="0"/>
+                          <a:cs typeface="Times New Roman" panose="02020603050405020304" pitchFamily="18" charset="0"/>
+                        </a:rPr>
+                        <a:t>: Работник.</a:t>
+                      </a:r>
+                      <a:endParaRPr lang="en-US" sz="1100" dirty="0">
                         <a:effectLst/>
-                        <a:latin typeface="+mn-lt"/>
+                        <a:latin typeface="Calibri" panose="020F0502020204030204" pitchFamily="34" charset="0"/>
                         <a:ea typeface="Calibri" panose="020F0502020204030204" pitchFamily="34" charset="0"/>
                         <a:cs typeface="Times New Roman" panose="02020603050405020304" pitchFamily="18" charset="0"/>
                       </a:endParaRPr>
@@ -6495,7 +6588,7 @@
                           <a:ea typeface="+mn-ea"/>
                           <a:cs typeface="+mn-cs"/>
                         </a:rPr>
-                        <a:t>2 ящика пива</a:t>
+                        <a:t>200 тыс. рублей</a:t>
                       </a:r>
                       <a:endParaRPr lang="en-US" sz="1600" dirty="0">
                         <a:latin typeface="+mn-lt"/>
